--- a/Presentation.pptx
+++ b/Presentation.pptx
@@ -115,6 +115,11 @@
       </a:defRPr>
     </a:lvl9pPr>
   </p:defaultTextStyle>
+  <p:extLst>
+    <p:ext uri="{EFAFB233-063F-42B5-8137-9DF3F51BA10A}">
+      <p15:sldGuideLst xmlns:p15="http://schemas.microsoft.com/office/powerpoint/2012/main"/>
+    </p:ext>
+  </p:extLst>
 </p:presentation>
 </file>
 
@@ -5951,7 +5956,7 @@
           <a:p>
             <a:fld id="{D1B1C639-3221-471D-A79A-66A2E63898EC}" type="datetimeFigureOut">
               <a:rPr lang="en-NZ" smtClean="0"/>
-              <a:t>30/11/2021</a:t>
+              <a:t>1/12/2021</a:t>
             </a:fld>
             <a:endParaRPr lang="en-NZ"/>
           </a:p>
@@ -6263,42 +6268,6 @@
           <a:bodyPr/>
           <a:lstStyle/>
           <a:p>
-            <a:r>
-              <a:rPr lang="en-NZ" dirty="0"/>
-              <a:t>How can we identify bad/fraud customers from their behaviours?</a:t>
-            </a:r>
-          </a:p>
-          <a:p>
-            <a:r>
-              <a:rPr lang="en-NZ" dirty="0"/>
-              <a:t>Which data is available internal would help us to identify fraud customers?</a:t>
-            </a:r>
-          </a:p>
-          <a:p>
-            <a:r>
-              <a:rPr lang="en-NZ" dirty="0"/>
-              <a:t>What department would benefit from fraud detection models?</a:t>
-            </a:r>
-          </a:p>
-          <a:p>
-            <a:r>
-              <a:rPr lang="en-NZ" dirty="0"/>
-              <a:t>How big is the scale for fraud detection model? </a:t>
-            </a:r>
-          </a:p>
-          <a:p>
-            <a:r>
-              <a:rPr lang="en-NZ" dirty="0"/>
-              <a:t>Will it can be deployed real-time? </a:t>
-            </a:r>
-          </a:p>
-          <a:p>
-            <a:r>
-              <a:rPr lang="en-NZ" dirty="0"/>
-              <a:t>What is the ROI (Return-on-investment) if we develop the model? </a:t>
-            </a:r>
-          </a:p>
-          <a:p>
             <a:endParaRPr lang="en-NZ" dirty="0"/>
           </a:p>
         </p:txBody>
@@ -6389,7 +6358,7 @@
           <a:noFill/>
           <a:extLst>
             <a:ext uri="{909E8E84-426E-40dd-AFC4-6F175D3DCCD1}">
-              <a14:hiddenFill xmlns:a14="http://schemas.microsoft.com/office/drawing/2010/main" xmlns="">
+              <a14:hiddenFill xmlns="" xmlns:a14="http://schemas.microsoft.com/office/drawing/2010/main">
                 <a:solidFill>
                   <a:srgbClr val="FFFFFF"/>
                 </a:solidFill>
@@ -6449,7 +6418,7 @@
             </a:ln>
             <a:extLst>
               <a:ext uri="{91240B29-F687-4f45-9708-019B960494DF}">
-                <a14:hiddenLine xmlns:a14="http://schemas.microsoft.com/office/drawing/2010/main" xmlns="" w="9525">
+                <a14:hiddenLine xmlns="" xmlns:a14="http://schemas.microsoft.com/office/drawing/2010/main" w="9525">
                   <a:solidFill>
                     <a:srgbClr val="000000"/>
                   </a:solidFill>
@@ -6539,7 +6508,7 @@
             </a:ln>
             <a:extLst>
               <a:ext uri="{91240B29-F687-4f45-9708-019B960494DF}">
-                <a14:hiddenLine xmlns:a14="http://schemas.microsoft.com/office/drawing/2010/main" xmlns="" w="9525">
+                <a14:hiddenLine xmlns="" xmlns:a14="http://schemas.microsoft.com/office/drawing/2010/main" w="9525">
                   <a:solidFill>
                     <a:srgbClr val="000000"/>
                   </a:solidFill>
@@ -6629,7 +6598,7 @@
             </a:ln>
             <a:extLst>
               <a:ext uri="{91240B29-F687-4f45-9708-019B960494DF}">
-                <a14:hiddenLine xmlns:a14="http://schemas.microsoft.com/office/drawing/2010/main" xmlns="" w="9525">
+                <a14:hiddenLine xmlns="" xmlns:a14="http://schemas.microsoft.com/office/drawing/2010/main" w="9525">
                   <a:solidFill>
                     <a:srgbClr val="000000"/>
                   </a:solidFill>
@@ -6663,7 +6632,7 @@
             </a:ln>
             <a:extLst>
               <a:ext uri="{91240B29-F687-4f45-9708-019B960494DF}">
-                <a14:hiddenLine xmlns:a14="http://schemas.microsoft.com/office/drawing/2010/main" xmlns="" w="9525">
+                <a14:hiddenLine xmlns="" xmlns:a14="http://schemas.microsoft.com/office/drawing/2010/main" w="9525">
                   <a:solidFill>
                     <a:srgbClr val="000000"/>
                   </a:solidFill>
@@ -6753,7 +6722,7 @@
             </a:ln>
             <a:extLst>
               <a:ext uri="{91240B29-F687-4f45-9708-019B960494DF}">
-                <a14:hiddenLine xmlns:a14="http://schemas.microsoft.com/office/drawing/2010/main" xmlns="" w="9525">
+                <a14:hiddenLine xmlns="" xmlns:a14="http://schemas.microsoft.com/office/drawing/2010/main" w="9525">
                   <a:solidFill>
                     <a:srgbClr val="000000"/>
                   </a:solidFill>
@@ -6815,7 +6784,7 @@
             </a:ln>
             <a:extLst>
               <a:ext uri="{91240B29-F687-4f45-9708-019B960494DF}">
-                <a14:hiddenLine xmlns:a14="http://schemas.microsoft.com/office/drawing/2010/main" xmlns="" w="9525">
+                <a14:hiddenLine xmlns="" xmlns:a14="http://schemas.microsoft.com/office/drawing/2010/main" w="9525">
                   <a:solidFill>
                     <a:srgbClr val="000000"/>
                   </a:solidFill>
@@ -6877,7 +6846,7 @@
             </a:ln>
             <a:extLst>
               <a:ext uri="{91240B29-F687-4f45-9708-019B960494DF}">
-                <a14:hiddenLine xmlns:a14="http://schemas.microsoft.com/office/drawing/2010/main" xmlns="" w="9525">
+                <a14:hiddenLine xmlns="" xmlns:a14="http://schemas.microsoft.com/office/drawing/2010/main" w="9525">
                   <a:solidFill>
                     <a:srgbClr val="000000"/>
                   </a:solidFill>
@@ -6967,7 +6936,7 @@
             </a:ln>
             <a:extLst>
               <a:ext uri="{91240B29-F687-4f45-9708-019B960494DF}">
-                <a14:hiddenLine xmlns:a14="http://schemas.microsoft.com/office/drawing/2010/main" xmlns="" w="9525">
+                <a14:hiddenLine xmlns="" xmlns:a14="http://schemas.microsoft.com/office/drawing/2010/main" w="9525">
                   <a:solidFill>
                     <a:srgbClr val="000000"/>
                   </a:solidFill>
@@ -7029,7 +6998,7 @@
             </a:ln>
             <a:extLst>
               <a:ext uri="{91240B29-F687-4f45-9708-019B960494DF}">
-                <a14:hiddenLine xmlns:a14="http://schemas.microsoft.com/office/drawing/2010/main" xmlns="" w="9525">
+                <a14:hiddenLine xmlns="" xmlns:a14="http://schemas.microsoft.com/office/drawing/2010/main" w="9525">
                   <a:solidFill>
                     <a:srgbClr val="000000"/>
                   </a:solidFill>
@@ -7091,7 +7060,7 @@
             </a:ln>
             <a:extLst>
               <a:ext uri="{91240B29-F687-4f45-9708-019B960494DF}">
-                <a14:hiddenLine xmlns:a14="http://schemas.microsoft.com/office/drawing/2010/main" xmlns="" w="9525">
+                <a14:hiddenLine xmlns="" xmlns:a14="http://schemas.microsoft.com/office/drawing/2010/main" w="9525">
                   <a:solidFill>
                     <a:srgbClr val="000000"/>
                   </a:solidFill>
@@ -7181,7 +7150,7 @@
             </a:ln>
             <a:extLst>
               <a:ext uri="{91240B29-F687-4f45-9708-019B960494DF}">
-                <a14:hiddenLine xmlns:a14="http://schemas.microsoft.com/office/drawing/2010/main" xmlns="" w="9525">
+                <a14:hiddenLine xmlns="" xmlns:a14="http://schemas.microsoft.com/office/drawing/2010/main" w="9525">
                   <a:solidFill>
                     <a:srgbClr val="000000"/>
                   </a:solidFill>
@@ -7271,7 +7240,7 @@
             </a:ln>
             <a:extLst>
               <a:ext uri="{91240B29-F687-4f45-9708-019B960494DF}">
-                <a14:hiddenLine xmlns:a14="http://schemas.microsoft.com/office/drawing/2010/main" xmlns="" w="9525">
+                <a14:hiddenLine xmlns="" xmlns:a14="http://schemas.microsoft.com/office/drawing/2010/main" w="9525">
                   <a:solidFill>
                     <a:srgbClr val="000000"/>
                   </a:solidFill>
@@ -7333,7 +7302,7 @@
             </a:ln>
             <a:extLst>
               <a:ext uri="{91240B29-F687-4f45-9708-019B960494DF}">
-                <a14:hiddenLine xmlns:a14="http://schemas.microsoft.com/office/drawing/2010/main" xmlns="" w="9525">
+                <a14:hiddenLine xmlns="" xmlns:a14="http://schemas.microsoft.com/office/drawing/2010/main" w="9525">
                   <a:solidFill>
                     <a:srgbClr val="000000"/>
                   </a:solidFill>
@@ -7443,7 +7412,7 @@
             </a:ln>
             <a:extLst>
               <a:ext uri="{91240B29-F687-4f45-9708-019B960494DF}">
-                <a14:hiddenLine xmlns:a14="http://schemas.microsoft.com/office/drawing/2010/main" xmlns="" w="9525">
+                <a14:hiddenLine xmlns="" xmlns:a14="http://schemas.microsoft.com/office/drawing/2010/main" w="9525">
                   <a:solidFill>
                     <a:srgbClr val="000000"/>
                   </a:solidFill>
@@ -7505,7 +7474,7 @@
             </a:ln>
             <a:extLst>
               <a:ext uri="{91240B29-F687-4f45-9708-019B960494DF}">
-                <a14:hiddenLine xmlns:a14="http://schemas.microsoft.com/office/drawing/2010/main" xmlns="" w="9525">
+                <a14:hiddenLine xmlns="" xmlns:a14="http://schemas.microsoft.com/office/drawing/2010/main" w="9525">
                   <a:solidFill>
                     <a:srgbClr val="000000"/>
                   </a:solidFill>
@@ -7595,7 +7564,7 @@
             </a:ln>
             <a:extLst>
               <a:ext uri="{91240B29-F687-4f45-9708-019B960494DF}">
-                <a14:hiddenLine xmlns:a14="http://schemas.microsoft.com/office/drawing/2010/main" xmlns="" w="9525">
+                <a14:hiddenLine xmlns="" xmlns:a14="http://schemas.microsoft.com/office/drawing/2010/main" w="9525">
                   <a:solidFill>
                     <a:srgbClr val="000000"/>
                   </a:solidFill>
@@ -7685,7 +7654,7 @@
             </a:ln>
             <a:extLst>
               <a:ext uri="{91240B29-F687-4f45-9708-019B960494DF}">
-                <a14:hiddenLine xmlns:a14="http://schemas.microsoft.com/office/drawing/2010/main" xmlns="" w="9525">
+                <a14:hiddenLine xmlns="" xmlns:a14="http://schemas.microsoft.com/office/drawing/2010/main" w="9525">
                   <a:solidFill>
                     <a:srgbClr val="000000"/>
                   </a:solidFill>
@@ -7747,7 +7716,7 @@
             </a:ln>
             <a:extLst>
               <a:ext uri="{91240B29-F687-4f45-9708-019B960494DF}">
-                <a14:hiddenLine xmlns:a14="http://schemas.microsoft.com/office/drawing/2010/main" xmlns="" w="9525">
+                <a14:hiddenLine xmlns="" xmlns:a14="http://schemas.microsoft.com/office/drawing/2010/main" w="9525">
                   <a:solidFill>
                     <a:srgbClr val="000000"/>
                   </a:solidFill>
@@ -7837,7 +7806,7 @@
             </a:ln>
             <a:extLst>
               <a:ext uri="{91240B29-F687-4f45-9708-019B960494DF}">
-                <a14:hiddenLine xmlns:a14="http://schemas.microsoft.com/office/drawing/2010/main" xmlns="" w="9525">
+                <a14:hiddenLine xmlns="" xmlns:a14="http://schemas.microsoft.com/office/drawing/2010/main" w="9525">
                   <a:solidFill>
                     <a:srgbClr val="000000"/>
                   </a:solidFill>
@@ -7927,7 +7896,7 @@
             </a:ln>
             <a:extLst>
               <a:ext uri="{91240B29-F687-4f45-9708-019B960494DF}">
-                <a14:hiddenLine xmlns:a14="http://schemas.microsoft.com/office/drawing/2010/main" xmlns="" w="9525">
+                <a14:hiddenLine xmlns="" xmlns:a14="http://schemas.microsoft.com/office/drawing/2010/main" w="9525">
                   <a:solidFill>
                     <a:srgbClr val="000000"/>
                   </a:solidFill>
@@ -7983,7 +7952,7 @@
             </a:ln>
             <a:extLst>
               <a:ext uri="{91240B29-F687-4f45-9708-019B960494DF}">
-                <a14:hiddenLine xmlns:a14="http://schemas.microsoft.com/office/drawing/2010/main" xmlns="" w="9525">
+                <a14:hiddenLine xmlns="" xmlns:a14="http://schemas.microsoft.com/office/drawing/2010/main" w="9525">
                   <a:solidFill>
                     <a:srgbClr val="000000"/>
                   </a:solidFill>
@@ -8073,7 +8042,7 @@
             </a:ln>
             <a:extLst>
               <a:ext uri="{91240B29-F687-4f45-9708-019B960494DF}">
-                <a14:hiddenLine xmlns:a14="http://schemas.microsoft.com/office/drawing/2010/main" xmlns="" w="9525">
+                <a14:hiddenLine xmlns="" xmlns:a14="http://schemas.microsoft.com/office/drawing/2010/main" w="9525">
                   <a:solidFill>
                     <a:srgbClr val="000000"/>
                   </a:solidFill>
@@ -8129,7 +8098,7 @@
             </a:ln>
             <a:extLst>
               <a:ext uri="{91240B29-F687-4f45-9708-019B960494DF}">
-                <a14:hiddenLine xmlns:a14="http://schemas.microsoft.com/office/drawing/2010/main" xmlns="" w="9525">
+                <a14:hiddenLine xmlns="" xmlns:a14="http://schemas.microsoft.com/office/drawing/2010/main" w="9525">
                   <a:solidFill>
                     <a:srgbClr val="000000"/>
                   </a:solidFill>
@@ -8219,7 +8188,7 @@
             </a:ln>
             <a:extLst>
               <a:ext uri="{91240B29-F687-4f45-9708-019B960494DF}">
-                <a14:hiddenLine xmlns:a14="http://schemas.microsoft.com/office/drawing/2010/main" xmlns="" w="9525">
+                <a14:hiddenLine xmlns="" xmlns:a14="http://schemas.microsoft.com/office/drawing/2010/main" w="9525">
                   <a:solidFill>
                     <a:srgbClr val="000000"/>
                   </a:solidFill>
@@ -8287,7 +8256,7 @@
             </a:ln>
             <a:extLst>
               <a:ext uri="{91240B29-F687-4f45-9708-019B960494DF}">
-                <a14:hiddenLine xmlns:a14="http://schemas.microsoft.com/office/drawing/2010/main" xmlns="" w="9525">
+                <a14:hiddenLine xmlns="" xmlns:a14="http://schemas.microsoft.com/office/drawing/2010/main" w="9525">
                   <a:solidFill>
                     <a:srgbClr val="000000"/>
                   </a:solidFill>
@@ -8377,7 +8346,7 @@
             </a:ln>
             <a:extLst>
               <a:ext uri="{91240B29-F687-4f45-9708-019B960494DF}">
-                <a14:hiddenLine xmlns:a14="http://schemas.microsoft.com/office/drawing/2010/main" xmlns="" w="9525">
+                <a14:hiddenLine xmlns="" xmlns:a14="http://schemas.microsoft.com/office/drawing/2010/main" w="9525">
                   <a:solidFill>
                     <a:srgbClr val="000000"/>
                   </a:solidFill>
@@ -8445,7 +8414,7 @@
             </a:ln>
             <a:extLst>
               <a:ext uri="{91240B29-F687-4f45-9708-019B960494DF}">
-                <a14:hiddenLine xmlns:a14="http://schemas.microsoft.com/office/drawing/2010/main" xmlns="" w="9525">
+                <a14:hiddenLine xmlns="" xmlns:a14="http://schemas.microsoft.com/office/drawing/2010/main" w="9525">
                   <a:solidFill>
                     <a:srgbClr val="000000"/>
                   </a:solidFill>
@@ -8535,7 +8504,7 @@
             </a:ln>
             <a:extLst>
               <a:ext uri="{91240B29-F687-4f45-9708-019B960494DF}">
-                <a14:hiddenLine xmlns:a14="http://schemas.microsoft.com/office/drawing/2010/main" xmlns="" w="9525">
+                <a14:hiddenLine xmlns="" xmlns:a14="http://schemas.microsoft.com/office/drawing/2010/main" w="9525">
                   <a:solidFill>
                     <a:srgbClr val="000000"/>
                   </a:solidFill>
@@ -8569,7 +8538,7 @@
             </a:ln>
             <a:extLst>
               <a:ext uri="{91240B29-F687-4f45-9708-019B960494DF}">
-                <a14:hiddenLine xmlns:a14="http://schemas.microsoft.com/office/drawing/2010/main" xmlns="" w="9525">
+                <a14:hiddenLine xmlns="" xmlns:a14="http://schemas.microsoft.com/office/drawing/2010/main" w="9525">
                   <a:solidFill>
                     <a:srgbClr val="000000"/>
                   </a:solidFill>
@@ -8659,7 +8628,7 @@
             </a:ln>
             <a:extLst>
               <a:ext uri="{91240B29-F687-4f45-9708-019B960494DF}">
-                <a14:hiddenLine xmlns:a14="http://schemas.microsoft.com/office/drawing/2010/main" xmlns="" w="9525">
+                <a14:hiddenLine xmlns="" xmlns:a14="http://schemas.microsoft.com/office/drawing/2010/main" w="9525">
                   <a:solidFill>
                     <a:srgbClr val="000000"/>
                   </a:solidFill>
@@ -8721,7 +8690,7 @@
             </a:ln>
             <a:extLst>
               <a:ext uri="{91240B29-F687-4f45-9708-019B960494DF}">
-                <a14:hiddenLine xmlns:a14="http://schemas.microsoft.com/office/drawing/2010/main" xmlns="" w="9525">
+                <a14:hiddenLine xmlns="" xmlns:a14="http://schemas.microsoft.com/office/drawing/2010/main" w="9525">
                   <a:solidFill>
                     <a:srgbClr val="000000"/>
                   </a:solidFill>
@@ -8783,7 +8752,7 @@
             </a:ln>
             <a:extLst>
               <a:ext uri="{91240B29-F687-4f45-9708-019B960494DF}">
-                <a14:hiddenLine xmlns:a14="http://schemas.microsoft.com/office/drawing/2010/main" xmlns="" w="9525">
+                <a14:hiddenLine xmlns="" xmlns:a14="http://schemas.microsoft.com/office/drawing/2010/main" w="9525">
                   <a:solidFill>
                     <a:srgbClr val="000000"/>
                   </a:solidFill>
@@ -8873,7 +8842,7 @@
             </a:ln>
             <a:extLst>
               <a:ext uri="{91240B29-F687-4f45-9708-019B960494DF}">
-                <a14:hiddenLine xmlns:a14="http://schemas.microsoft.com/office/drawing/2010/main" xmlns="" w="9525">
+                <a14:hiddenLine xmlns="" xmlns:a14="http://schemas.microsoft.com/office/drawing/2010/main" w="9525">
                   <a:solidFill>
                     <a:srgbClr val="000000"/>
                   </a:solidFill>
@@ -8941,7 +8910,7 @@
             </a:ln>
             <a:extLst>
               <a:ext uri="{91240B29-F687-4f45-9708-019B960494DF}">
-                <a14:hiddenLine xmlns:a14="http://schemas.microsoft.com/office/drawing/2010/main" xmlns="" w="9525">
+                <a14:hiddenLine xmlns="" xmlns:a14="http://schemas.microsoft.com/office/drawing/2010/main" w="9525">
                   <a:solidFill>
                     <a:srgbClr val="000000"/>
                   </a:solidFill>
@@ -9003,7 +8972,7 @@
             </a:ln>
             <a:extLst>
               <a:ext uri="{91240B29-F687-4f45-9708-019B960494DF}">
-                <a14:hiddenLine xmlns:a14="http://schemas.microsoft.com/office/drawing/2010/main" xmlns="" w="9525">
+                <a14:hiddenLine xmlns="" xmlns:a14="http://schemas.microsoft.com/office/drawing/2010/main" w="9525">
                   <a:solidFill>
                     <a:srgbClr val="000000"/>
                   </a:solidFill>
@@ -9093,7 +9062,7 @@
             </a:ln>
             <a:extLst>
               <a:ext uri="{91240B29-F687-4f45-9708-019B960494DF}">
-                <a14:hiddenLine xmlns:a14="http://schemas.microsoft.com/office/drawing/2010/main" xmlns="" w="9525">
+                <a14:hiddenLine xmlns="" xmlns:a14="http://schemas.microsoft.com/office/drawing/2010/main" w="9525">
                   <a:solidFill>
                     <a:srgbClr val="000000"/>
                   </a:solidFill>
@@ -9155,7 +9124,7 @@
             </a:ln>
             <a:extLst>
               <a:ext uri="{91240B29-F687-4f45-9708-019B960494DF}">
-                <a14:hiddenLine xmlns:a14="http://schemas.microsoft.com/office/drawing/2010/main" xmlns="" w="9525">
+                <a14:hiddenLine xmlns="" xmlns:a14="http://schemas.microsoft.com/office/drawing/2010/main" w="9525">
                   <a:solidFill>
                     <a:srgbClr val="000000"/>
                   </a:solidFill>
@@ -9245,7 +9214,7 @@
             </a:ln>
             <a:extLst>
               <a:ext uri="{91240B29-F687-4f45-9708-019B960494DF}">
-                <a14:hiddenLine xmlns:a14="http://schemas.microsoft.com/office/drawing/2010/main" xmlns="" w="9525">
+                <a14:hiddenLine xmlns="" xmlns:a14="http://schemas.microsoft.com/office/drawing/2010/main" w="9525">
                   <a:solidFill>
                     <a:srgbClr val="000000"/>
                   </a:solidFill>
@@ -9307,7 +9276,7 @@
             </a:ln>
             <a:extLst>
               <a:ext uri="{91240B29-F687-4f45-9708-019B960494DF}">
-                <a14:hiddenLine xmlns:a14="http://schemas.microsoft.com/office/drawing/2010/main" xmlns="" w="9525">
+                <a14:hiddenLine xmlns="" xmlns:a14="http://schemas.microsoft.com/office/drawing/2010/main" w="9525">
                   <a:solidFill>
                     <a:srgbClr val="000000"/>
                   </a:solidFill>
@@ -9397,7 +9366,7 @@
             </a:ln>
             <a:extLst>
               <a:ext uri="{91240B29-F687-4f45-9708-019B960494DF}">
-                <a14:hiddenLine xmlns:a14="http://schemas.microsoft.com/office/drawing/2010/main" xmlns="" w="9525">
+                <a14:hiddenLine xmlns="" xmlns:a14="http://schemas.microsoft.com/office/drawing/2010/main" w="9525">
                   <a:solidFill>
                     <a:srgbClr val="000000"/>
                   </a:solidFill>
@@ -9431,7 +9400,7 @@
             </a:ln>
             <a:extLst>
               <a:ext uri="{91240B29-F687-4f45-9708-019B960494DF}">
-                <a14:hiddenLine xmlns:a14="http://schemas.microsoft.com/office/drawing/2010/main" xmlns="" w="9525">
+                <a14:hiddenLine xmlns="" xmlns:a14="http://schemas.microsoft.com/office/drawing/2010/main" w="9525">
                   <a:solidFill>
                     <a:srgbClr val="000000"/>
                   </a:solidFill>
@@ -9496,7 +9465,7 @@
             </a:ln>
             <a:extLst>
               <a:ext uri="{91240B29-F687-4f45-9708-019B960494DF}">
-                <a14:hiddenLine xmlns:a14="http://schemas.microsoft.com/office/drawing/2010/main" xmlns="" w="9525">
+                <a14:hiddenLine xmlns="" xmlns:a14="http://schemas.microsoft.com/office/drawing/2010/main" w="9525">
                   <a:solidFill>
                     <a:srgbClr val="000000"/>
                   </a:solidFill>
@@ -9586,7 +9555,7 @@
             </a:ln>
             <a:extLst>
               <a:ext uri="{91240B29-F687-4f45-9708-019B960494DF}">
-                <a14:hiddenLine xmlns:a14="http://schemas.microsoft.com/office/drawing/2010/main" xmlns="" w="9525">
+                <a14:hiddenLine xmlns="" xmlns:a14="http://schemas.microsoft.com/office/drawing/2010/main" w="9525">
                   <a:solidFill>
                     <a:srgbClr val="000000"/>
                   </a:solidFill>
@@ -9648,7 +9617,7 @@
             </a:ln>
             <a:extLst>
               <a:ext uri="{91240B29-F687-4f45-9708-019B960494DF}">
-                <a14:hiddenLine xmlns:a14="http://schemas.microsoft.com/office/drawing/2010/main" xmlns="" w="9525">
+                <a14:hiddenLine xmlns="" xmlns:a14="http://schemas.microsoft.com/office/drawing/2010/main" w="9525">
                   <a:solidFill>
                     <a:srgbClr val="000000"/>
                   </a:solidFill>
@@ -9738,7 +9707,7 @@
             </a:ln>
             <a:extLst>
               <a:ext uri="{91240B29-F687-4f45-9708-019B960494DF}">
-                <a14:hiddenLine xmlns:a14="http://schemas.microsoft.com/office/drawing/2010/main" xmlns="" w="9525">
+                <a14:hiddenLine xmlns="" xmlns:a14="http://schemas.microsoft.com/office/drawing/2010/main" w="9525">
                   <a:solidFill>
                     <a:srgbClr val="000000"/>
                   </a:solidFill>
@@ -9828,7 +9797,7 @@
             </a:ln>
             <a:extLst>
               <a:ext uri="{91240B29-F687-4f45-9708-019B960494DF}">
-                <a14:hiddenLine xmlns:a14="http://schemas.microsoft.com/office/drawing/2010/main" xmlns="" w="9525">
+                <a14:hiddenLine xmlns="" xmlns:a14="http://schemas.microsoft.com/office/drawing/2010/main" w="9525">
                   <a:solidFill>
                     <a:srgbClr val="000000"/>
                   </a:solidFill>
@@ -9893,7 +9862,7 @@
             </a:ln>
             <a:extLst>
               <a:ext uri="{91240B29-F687-4f45-9708-019B960494DF}">
-                <a14:hiddenLine xmlns:a14="http://schemas.microsoft.com/office/drawing/2010/main" xmlns="" w="9525">
+                <a14:hiddenLine xmlns="" xmlns:a14="http://schemas.microsoft.com/office/drawing/2010/main" w="9525">
                   <a:solidFill>
                     <a:srgbClr val="000000"/>
                   </a:solidFill>
@@ -9955,7 +9924,7 @@
             </a:ln>
             <a:extLst>
               <a:ext uri="{91240B29-F687-4f45-9708-019B960494DF}">
-                <a14:hiddenLine xmlns:a14="http://schemas.microsoft.com/office/drawing/2010/main" xmlns="" w="9525">
+                <a14:hiddenLine xmlns="" xmlns:a14="http://schemas.microsoft.com/office/drawing/2010/main" w="9525">
                   <a:solidFill>
                     <a:srgbClr val="000000"/>
                   </a:solidFill>
@@ -10045,7 +10014,7 @@
             </a:ln>
             <a:extLst>
               <a:ext uri="{91240B29-F687-4f45-9708-019B960494DF}">
-                <a14:hiddenLine xmlns:a14="http://schemas.microsoft.com/office/drawing/2010/main" xmlns="" w="9525">
+                <a14:hiddenLine xmlns="" xmlns:a14="http://schemas.microsoft.com/office/drawing/2010/main" w="9525">
                   <a:solidFill>
                     <a:srgbClr val="000000"/>
                   </a:solidFill>
@@ -10135,7 +10104,7 @@
             </a:ln>
             <a:extLst>
               <a:ext uri="{91240B29-F687-4f45-9708-019B960494DF}">
-                <a14:hiddenLine xmlns:a14="http://schemas.microsoft.com/office/drawing/2010/main" xmlns="" w="9525">
+                <a14:hiddenLine xmlns="" xmlns:a14="http://schemas.microsoft.com/office/drawing/2010/main" w="9525">
                   <a:solidFill>
                     <a:srgbClr val="000000"/>
                   </a:solidFill>
@@ -10197,7 +10166,7 @@
             </a:ln>
             <a:extLst>
               <a:ext uri="{91240B29-F687-4f45-9708-019B960494DF}">
-                <a14:hiddenLine xmlns:a14="http://schemas.microsoft.com/office/drawing/2010/main" xmlns="" w="9525">
+                <a14:hiddenLine xmlns="" xmlns:a14="http://schemas.microsoft.com/office/drawing/2010/main" w="9525">
                   <a:solidFill>
                     <a:srgbClr val="000000"/>
                   </a:solidFill>
@@ -10317,7 +10286,7 @@
             </a:ln>
             <a:extLst>
               <a:ext uri="{91240B29-F687-4f45-9708-019B960494DF}">
-                <a14:hiddenLine xmlns:a14="http://schemas.microsoft.com/office/drawing/2010/main" xmlns="" w="9525">
+                <a14:hiddenLine xmlns="" xmlns:a14="http://schemas.microsoft.com/office/drawing/2010/main" w="9525">
                   <a:solidFill>
                     <a:srgbClr val="000000"/>
                   </a:solidFill>
@@ -10385,7 +10354,7 @@
             </a:ln>
             <a:extLst>
               <a:ext uri="{91240B29-F687-4f45-9708-019B960494DF}">
-                <a14:hiddenLine xmlns:a14="http://schemas.microsoft.com/office/drawing/2010/main" xmlns="" w="9525">
+                <a14:hiddenLine xmlns="" xmlns:a14="http://schemas.microsoft.com/office/drawing/2010/main" w="9525">
                   <a:solidFill>
                     <a:srgbClr val="000000"/>
                   </a:solidFill>
@@ -10475,7 +10444,7 @@
             </a:ln>
             <a:extLst>
               <a:ext uri="{91240B29-F687-4f45-9708-019B960494DF}">
-                <a14:hiddenLine xmlns:a14="http://schemas.microsoft.com/office/drawing/2010/main" xmlns="" w="9525">
+                <a14:hiddenLine xmlns="" xmlns:a14="http://schemas.microsoft.com/office/drawing/2010/main" w="9525">
                   <a:solidFill>
                     <a:srgbClr val="000000"/>
                   </a:solidFill>
@@ -10615,7 +10584,7 @@
           <a:p>
             <a:fld id="{4C933A40-7EFA-47C8-8AE9-FD237C895CBC}" type="datetimeFigureOut">
               <a:rPr lang="en-NZ" smtClean="0"/>
-              <a:t>30/11/2021</a:t>
+              <a:t>1/12/2021</a:t>
             </a:fld>
             <a:endParaRPr lang="en-NZ"/>
           </a:p>
@@ -10918,7 +10887,7 @@
           <a:p>
             <a:fld id="{4C933A40-7EFA-47C8-8AE9-FD237C895CBC}" type="datetimeFigureOut">
               <a:rPr lang="en-NZ" smtClean="0"/>
-              <a:t>30/11/2021</a:t>
+              <a:t>1/12/2021</a:t>
             </a:fld>
             <a:endParaRPr lang="en-NZ"/>
           </a:p>
@@ -11114,7 +11083,7 @@
           <a:p>
             <a:fld id="{4C933A40-7EFA-47C8-8AE9-FD237C895CBC}" type="datetimeFigureOut">
               <a:rPr lang="en-NZ" smtClean="0"/>
-              <a:t>30/11/2021</a:t>
+              <a:t>1/12/2021</a:t>
             </a:fld>
             <a:endParaRPr lang="en-NZ"/>
           </a:p>
@@ -11377,7 +11346,7 @@
           <a:p>
             <a:fld id="{4C933A40-7EFA-47C8-8AE9-FD237C895CBC}" type="datetimeFigureOut">
               <a:rPr lang="en-NZ" smtClean="0"/>
-              <a:t>30/11/2021</a:t>
+              <a:t>1/12/2021</a:t>
             </a:fld>
             <a:endParaRPr lang="en-NZ"/>
           </a:p>
@@ -11811,7 +11780,7 @@
           <a:p>
             <a:fld id="{4C933A40-7EFA-47C8-8AE9-FD237C895CBC}" type="datetimeFigureOut">
               <a:rPr lang="en-NZ" smtClean="0"/>
-              <a:t>30/11/2021</a:t>
+              <a:t>1/12/2021</a:t>
             </a:fld>
             <a:endParaRPr lang="en-NZ"/>
           </a:p>
@@ -12357,7 +12326,7 @@
           <a:p>
             <a:fld id="{4C933A40-7EFA-47C8-8AE9-FD237C895CBC}" type="datetimeFigureOut">
               <a:rPr lang="en-NZ" smtClean="0"/>
-              <a:t>30/11/2021</a:t>
+              <a:t>1/12/2021</a:t>
             </a:fld>
             <a:endParaRPr lang="en-NZ"/>
           </a:p>
@@ -13077,7 +13046,7 @@
           <a:p>
             <a:fld id="{4C933A40-7EFA-47C8-8AE9-FD237C895CBC}" type="datetimeFigureOut">
               <a:rPr lang="en-NZ" smtClean="0"/>
-              <a:t>30/11/2021</a:t>
+              <a:t>1/12/2021</a:t>
             </a:fld>
             <a:endParaRPr lang="en-NZ"/>
           </a:p>
@@ -13247,7 +13216,7 @@
           <a:p>
             <a:fld id="{4C933A40-7EFA-47C8-8AE9-FD237C895CBC}" type="datetimeFigureOut">
               <a:rPr lang="en-NZ" smtClean="0"/>
-              <a:t>30/11/2021</a:t>
+              <a:t>1/12/2021</a:t>
             </a:fld>
             <a:endParaRPr lang="en-NZ"/>
           </a:p>
@@ -13427,7 +13396,7 @@
           <a:p>
             <a:fld id="{4C933A40-7EFA-47C8-8AE9-FD237C895CBC}" type="datetimeFigureOut">
               <a:rPr lang="en-NZ" smtClean="0"/>
-              <a:t>30/11/2021</a:t>
+              <a:t>1/12/2021</a:t>
             </a:fld>
             <a:endParaRPr lang="en-NZ"/>
           </a:p>
@@ -13597,7 +13566,7 @@
           <a:p>
             <a:fld id="{4C933A40-7EFA-47C8-8AE9-FD237C895CBC}" type="datetimeFigureOut">
               <a:rPr lang="en-NZ" smtClean="0"/>
-              <a:t>30/11/2021</a:t>
+              <a:t>1/12/2021</a:t>
             </a:fld>
             <a:endParaRPr lang="en-NZ"/>
           </a:p>
@@ -13847,7 +13816,7 @@
           <a:p>
             <a:fld id="{4C933A40-7EFA-47C8-8AE9-FD237C895CBC}" type="datetimeFigureOut">
               <a:rPr lang="en-NZ" smtClean="0"/>
-              <a:t>30/11/2021</a:t>
+              <a:t>1/12/2021</a:t>
             </a:fld>
             <a:endParaRPr lang="en-NZ"/>
           </a:p>
@@ -14079,7 +14048,7 @@
           <a:p>
             <a:fld id="{4C933A40-7EFA-47C8-8AE9-FD237C895CBC}" type="datetimeFigureOut">
               <a:rPr lang="en-NZ" smtClean="0"/>
-              <a:t>30/11/2021</a:t>
+              <a:t>1/12/2021</a:t>
             </a:fld>
             <a:endParaRPr lang="en-NZ"/>
           </a:p>
@@ -14460,7 +14429,7 @@
           <a:p>
             <a:fld id="{4C933A40-7EFA-47C8-8AE9-FD237C895CBC}" type="datetimeFigureOut">
               <a:rPr lang="en-NZ" smtClean="0"/>
-              <a:t>30/11/2021</a:t>
+              <a:t>1/12/2021</a:t>
             </a:fld>
             <a:endParaRPr lang="en-NZ"/>
           </a:p>
@@ -14578,7 +14547,7 @@
           <a:p>
             <a:fld id="{4C933A40-7EFA-47C8-8AE9-FD237C895CBC}" type="datetimeFigureOut">
               <a:rPr lang="en-NZ" smtClean="0"/>
-              <a:t>30/11/2021</a:t>
+              <a:t>1/12/2021</a:t>
             </a:fld>
             <a:endParaRPr lang="en-NZ"/>
           </a:p>
@@ -14673,7 +14642,7 @@
           <a:p>
             <a:fld id="{4C933A40-7EFA-47C8-8AE9-FD237C895CBC}" type="datetimeFigureOut">
               <a:rPr lang="en-NZ" smtClean="0"/>
-              <a:t>30/11/2021</a:t>
+              <a:t>1/12/2021</a:t>
             </a:fld>
             <a:endParaRPr lang="en-NZ"/>
           </a:p>
@@ -14922,7 +14891,7 @@
           <a:p>
             <a:fld id="{4C933A40-7EFA-47C8-8AE9-FD237C895CBC}" type="datetimeFigureOut">
               <a:rPr lang="en-NZ" smtClean="0"/>
-              <a:t>30/11/2021</a:t>
+              <a:t>1/12/2021</a:t>
             </a:fld>
             <a:endParaRPr lang="en-NZ"/>
           </a:p>
@@ -15202,7 +15171,7 @@
           <a:p>
             <a:fld id="{4C933A40-7EFA-47C8-8AE9-FD237C895CBC}" type="datetimeFigureOut">
               <a:rPr lang="en-NZ" smtClean="0"/>
-              <a:t>30/11/2021</a:t>
+              <a:t>1/12/2021</a:t>
             </a:fld>
             <a:endParaRPr lang="en-NZ"/>
           </a:p>
@@ -15318,7 +15287,7 @@
           <a:noFill/>
           <a:extLst>
             <a:ext uri="{909E8E84-426E-40dd-AFC4-6F175D3DCCD1}">
-              <a14:hiddenFill xmlns:a14="http://schemas.microsoft.com/office/drawing/2010/main" xmlns="">
+              <a14:hiddenFill xmlns="" xmlns:a14="http://schemas.microsoft.com/office/drawing/2010/main">
                 <a:solidFill>
                   <a:srgbClr val="FFFFFF"/>
                 </a:solidFill>
@@ -15392,7 +15361,7 @@
               </a:ln>
               <a:extLst>
                 <a:ext uri="{91240B29-F687-4f45-9708-019B960494DF}">
-                  <a14:hiddenLine xmlns:a14="http://schemas.microsoft.com/office/drawing/2010/main" xmlns="" w="9525">
+                  <a14:hiddenLine xmlns="" xmlns:a14="http://schemas.microsoft.com/office/drawing/2010/main" w="9525">
                     <a:solidFill>
                       <a:srgbClr val="000000"/>
                     </a:solidFill>
@@ -15482,7 +15451,7 @@
               </a:ln>
               <a:extLst>
                 <a:ext uri="{91240B29-F687-4f45-9708-019B960494DF}">
-                  <a14:hiddenLine xmlns:a14="http://schemas.microsoft.com/office/drawing/2010/main" xmlns="" w="9525">
+                  <a14:hiddenLine xmlns="" xmlns:a14="http://schemas.microsoft.com/office/drawing/2010/main" w="9525">
                     <a:solidFill>
                       <a:srgbClr val="000000"/>
                     </a:solidFill>
@@ -15572,7 +15541,7 @@
               </a:ln>
               <a:extLst>
                 <a:ext uri="{91240B29-F687-4f45-9708-019B960494DF}">
-                  <a14:hiddenLine xmlns:a14="http://schemas.microsoft.com/office/drawing/2010/main" xmlns="" w="9525">
+                  <a14:hiddenLine xmlns="" xmlns:a14="http://schemas.microsoft.com/office/drawing/2010/main" w="9525">
                     <a:solidFill>
                       <a:srgbClr val="000000"/>
                     </a:solidFill>
@@ -15634,7 +15603,7 @@
               </a:ln>
               <a:extLst>
                 <a:ext uri="{91240B29-F687-4f45-9708-019B960494DF}">
-                  <a14:hiddenLine xmlns:a14="http://schemas.microsoft.com/office/drawing/2010/main" xmlns="" w="9525">
+                  <a14:hiddenLine xmlns="" xmlns:a14="http://schemas.microsoft.com/office/drawing/2010/main" w="9525">
                     <a:solidFill>
                       <a:srgbClr val="000000"/>
                     </a:solidFill>
@@ -15724,7 +15693,7 @@
               </a:ln>
               <a:extLst>
                 <a:ext uri="{91240B29-F687-4f45-9708-019B960494DF}">
-                  <a14:hiddenLine xmlns:a14="http://schemas.microsoft.com/office/drawing/2010/main" xmlns="" w="9525">
+                  <a14:hiddenLine xmlns="" xmlns:a14="http://schemas.microsoft.com/office/drawing/2010/main" w="9525">
                     <a:solidFill>
                       <a:srgbClr val="000000"/>
                     </a:solidFill>
@@ -15786,7 +15755,7 @@
               </a:ln>
               <a:extLst>
                 <a:ext uri="{91240B29-F687-4f45-9708-019B960494DF}">
-                  <a14:hiddenLine xmlns:a14="http://schemas.microsoft.com/office/drawing/2010/main" xmlns="" w="9525">
+                  <a14:hiddenLine xmlns="" xmlns:a14="http://schemas.microsoft.com/office/drawing/2010/main" w="9525">
                     <a:solidFill>
                       <a:srgbClr val="000000"/>
                     </a:solidFill>
@@ -15848,7 +15817,7 @@
               </a:ln>
               <a:extLst>
                 <a:ext uri="{91240B29-F687-4f45-9708-019B960494DF}">
-                  <a14:hiddenLine xmlns:a14="http://schemas.microsoft.com/office/drawing/2010/main" xmlns="" w="9525">
+                  <a14:hiddenLine xmlns="" xmlns:a14="http://schemas.microsoft.com/office/drawing/2010/main" w="9525">
                     <a:solidFill>
                       <a:srgbClr val="000000"/>
                     </a:solidFill>
@@ -15938,7 +15907,7 @@
               </a:ln>
               <a:extLst>
                 <a:ext uri="{91240B29-F687-4f45-9708-019B960494DF}">
-                  <a14:hiddenLine xmlns:a14="http://schemas.microsoft.com/office/drawing/2010/main" xmlns="" w="9525">
+                  <a14:hiddenLine xmlns="" xmlns:a14="http://schemas.microsoft.com/office/drawing/2010/main" w="9525">
                     <a:solidFill>
                       <a:srgbClr val="000000"/>
                     </a:solidFill>
@@ -16028,7 +15997,7 @@
               </a:ln>
               <a:extLst>
                 <a:ext uri="{91240B29-F687-4f45-9708-019B960494DF}">
-                  <a14:hiddenLine xmlns:a14="http://schemas.microsoft.com/office/drawing/2010/main" xmlns="" w="9525">
+                  <a14:hiddenLine xmlns="" xmlns:a14="http://schemas.microsoft.com/office/drawing/2010/main" w="9525">
                     <a:solidFill>
                       <a:srgbClr val="000000"/>
                     </a:solidFill>
@@ -16090,7 +16059,7 @@
               </a:ln>
               <a:extLst>
                 <a:ext uri="{91240B29-F687-4f45-9708-019B960494DF}">
-                  <a14:hiddenLine xmlns:a14="http://schemas.microsoft.com/office/drawing/2010/main" xmlns="" w="9525">
+                  <a14:hiddenLine xmlns="" xmlns:a14="http://schemas.microsoft.com/office/drawing/2010/main" w="9525">
                     <a:solidFill>
                       <a:srgbClr val="000000"/>
                     </a:solidFill>
@@ -16200,7 +16169,7 @@
               </a:ln>
               <a:extLst>
                 <a:ext uri="{91240B29-F687-4f45-9708-019B960494DF}">
-                  <a14:hiddenLine xmlns:a14="http://schemas.microsoft.com/office/drawing/2010/main" xmlns="" w="9525">
+                  <a14:hiddenLine xmlns="" xmlns:a14="http://schemas.microsoft.com/office/drawing/2010/main" w="9525">
                     <a:solidFill>
                       <a:srgbClr val="000000"/>
                     </a:solidFill>
@@ -16284,7 +16253,7 @@
               </a:ln>
               <a:extLst>
                 <a:ext uri="{91240B29-F687-4f45-9708-019B960494DF}">
-                  <a14:hiddenLine xmlns:a14="http://schemas.microsoft.com/office/drawing/2010/main" xmlns="" w="9525">
+                  <a14:hiddenLine xmlns="" xmlns:a14="http://schemas.microsoft.com/office/drawing/2010/main" w="9525">
                     <a:solidFill>
                       <a:srgbClr val="000000"/>
                     </a:solidFill>
@@ -16346,7 +16315,7 @@
               </a:ln>
               <a:extLst>
                 <a:ext uri="{91240B29-F687-4f45-9708-019B960494DF}">
-                  <a14:hiddenLine xmlns:a14="http://schemas.microsoft.com/office/drawing/2010/main" xmlns="" w="9525">
+                  <a14:hiddenLine xmlns="" xmlns:a14="http://schemas.microsoft.com/office/drawing/2010/main" w="9525">
                     <a:solidFill>
                       <a:srgbClr val="000000"/>
                     </a:solidFill>
@@ -16408,7 +16377,7 @@
               </a:ln>
               <a:extLst>
                 <a:ext uri="{91240B29-F687-4f45-9708-019B960494DF}">
-                  <a14:hiddenLine xmlns:a14="http://schemas.microsoft.com/office/drawing/2010/main" xmlns="" w="9525">
+                  <a14:hiddenLine xmlns="" xmlns:a14="http://schemas.microsoft.com/office/drawing/2010/main" w="9525">
                     <a:solidFill>
                       <a:srgbClr val="000000"/>
                     </a:solidFill>
@@ -16498,7 +16467,7 @@
               </a:ln>
               <a:extLst>
                 <a:ext uri="{91240B29-F687-4f45-9708-019B960494DF}">
-                  <a14:hiddenLine xmlns:a14="http://schemas.microsoft.com/office/drawing/2010/main" xmlns="" w="9525">
+                  <a14:hiddenLine xmlns="" xmlns:a14="http://schemas.microsoft.com/office/drawing/2010/main" w="9525">
                     <a:solidFill>
                       <a:srgbClr val="000000"/>
                     </a:solidFill>
@@ -16532,7 +16501,7 @@
               </a:ln>
               <a:extLst>
                 <a:ext uri="{91240B29-F687-4f45-9708-019B960494DF}">
-                  <a14:hiddenLine xmlns:a14="http://schemas.microsoft.com/office/drawing/2010/main" xmlns="" w="9525">
+                  <a14:hiddenLine xmlns="" xmlns:a14="http://schemas.microsoft.com/office/drawing/2010/main" w="9525">
                     <a:solidFill>
                       <a:srgbClr val="000000"/>
                     </a:solidFill>
@@ -16597,7 +16566,7 @@
               </a:ln>
               <a:extLst>
                 <a:ext uri="{91240B29-F687-4f45-9708-019B960494DF}">
-                  <a14:hiddenLine xmlns:a14="http://schemas.microsoft.com/office/drawing/2010/main" xmlns="" w="9525">
+                  <a14:hiddenLine xmlns="" xmlns:a14="http://schemas.microsoft.com/office/drawing/2010/main" w="9525">
                     <a:solidFill>
                       <a:srgbClr val="000000"/>
                     </a:solidFill>
@@ -16687,7 +16656,7 @@
               </a:ln>
               <a:extLst>
                 <a:ext uri="{91240B29-F687-4f45-9708-019B960494DF}">
-                  <a14:hiddenLine xmlns:a14="http://schemas.microsoft.com/office/drawing/2010/main" xmlns="" w="9525">
+                  <a14:hiddenLine xmlns="" xmlns:a14="http://schemas.microsoft.com/office/drawing/2010/main" w="9525">
                     <a:solidFill>
                       <a:srgbClr val="000000"/>
                     </a:solidFill>
@@ -16749,7 +16718,7 @@
               </a:ln>
               <a:extLst>
                 <a:ext uri="{91240B29-F687-4f45-9708-019B960494DF}">
-                  <a14:hiddenLine xmlns:a14="http://schemas.microsoft.com/office/drawing/2010/main" xmlns="" w="9525">
+                  <a14:hiddenLine xmlns="" xmlns:a14="http://schemas.microsoft.com/office/drawing/2010/main" w="9525">
                     <a:solidFill>
                       <a:srgbClr val="000000"/>
                     </a:solidFill>
@@ -16839,7 +16808,7 @@
               </a:ln>
               <a:extLst>
                 <a:ext uri="{91240B29-F687-4f45-9708-019B960494DF}">
-                  <a14:hiddenLine xmlns:a14="http://schemas.microsoft.com/office/drawing/2010/main" xmlns="" w="9525">
+                  <a14:hiddenLine xmlns="" xmlns:a14="http://schemas.microsoft.com/office/drawing/2010/main" w="9525">
                     <a:solidFill>
                       <a:srgbClr val="000000"/>
                     </a:solidFill>
@@ -16904,7 +16873,7 @@
               </a:ln>
               <a:extLst>
                 <a:ext uri="{91240B29-F687-4f45-9708-019B960494DF}">
-                  <a14:hiddenLine xmlns:a14="http://schemas.microsoft.com/office/drawing/2010/main" xmlns="" w="9525">
+                  <a14:hiddenLine xmlns="" xmlns:a14="http://schemas.microsoft.com/office/drawing/2010/main" w="9525">
                     <a:solidFill>
                       <a:srgbClr val="000000"/>
                     </a:solidFill>
@@ -16966,7 +16935,7 @@
               </a:ln>
               <a:extLst>
                 <a:ext uri="{91240B29-F687-4f45-9708-019B960494DF}">
-                  <a14:hiddenLine xmlns:a14="http://schemas.microsoft.com/office/drawing/2010/main" xmlns="" w="9525">
+                  <a14:hiddenLine xmlns="" xmlns:a14="http://schemas.microsoft.com/office/drawing/2010/main" w="9525">
                     <a:solidFill>
                       <a:srgbClr val="000000"/>
                     </a:solidFill>
@@ -17056,7 +17025,7 @@
               </a:ln>
               <a:extLst>
                 <a:ext uri="{91240B29-F687-4f45-9708-019B960494DF}">
-                  <a14:hiddenLine xmlns:a14="http://schemas.microsoft.com/office/drawing/2010/main" xmlns="" w="9525">
+                  <a14:hiddenLine xmlns="" xmlns:a14="http://schemas.microsoft.com/office/drawing/2010/main" w="9525">
                     <a:solidFill>
                       <a:srgbClr val="000000"/>
                     </a:solidFill>
@@ -17146,7 +17115,7 @@
               </a:ln>
               <a:extLst>
                 <a:ext uri="{91240B29-F687-4f45-9708-019B960494DF}">
-                  <a14:hiddenLine xmlns:a14="http://schemas.microsoft.com/office/drawing/2010/main" xmlns="" w="9525">
+                  <a14:hiddenLine xmlns="" xmlns:a14="http://schemas.microsoft.com/office/drawing/2010/main" w="9525">
                     <a:solidFill>
                       <a:srgbClr val="000000"/>
                     </a:solidFill>
@@ -17211,7 +17180,7 @@
               </a:ln>
               <a:extLst>
                 <a:ext uri="{91240B29-F687-4f45-9708-019B960494DF}">
-                  <a14:hiddenLine xmlns:a14="http://schemas.microsoft.com/office/drawing/2010/main" xmlns="" w="9525">
+                  <a14:hiddenLine xmlns="" xmlns:a14="http://schemas.microsoft.com/office/drawing/2010/main" w="9525">
                     <a:solidFill>
                       <a:srgbClr val="000000"/>
                     </a:solidFill>
@@ -17331,7 +17300,7 @@
               </a:ln>
               <a:extLst>
                 <a:ext uri="{91240B29-F687-4f45-9708-019B960494DF}">
-                  <a14:hiddenLine xmlns:a14="http://schemas.microsoft.com/office/drawing/2010/main" xmlns="" w="9525">
+                  <a14:hiddenLine xmlns="" xmlns:a14="http://schemas.microsoft.com/office/drawing/2010/main" w="9525">
                     <a:solidFill>
                       <a:srgbClr val="000000"/>
                     </a:solidFill>
@@ -17429,7 +17398,7 @@
               </a:ln>
               <a:extLst>
                 <a:ext uri="{91240B29-F687-4f45-9708-019B960494DF}">
-                  <a14:hiddenLine xmlns:a14="http://schemas.microsoft.com/office/drawing/2010/main" xmlns="" w="9525">
+                  <a14:hiddenLine xmlns="" xmlns:a14="http://schemas.microsoft.com/office/drawing/2010/main" w="9525">
                     <a:solidFill>
                       <a:srgbClr val="000000"/>
                     </a:solidFill>
@@ -17544,7 +17513,7 @@
               </a:ln>
               <a:extLst>
                 <a:ext uri="{91240B29-F687-4f45-9708-019B960494DF}">
-                  <a14:hiddenLine xmlns:a14="http://schemas.microsoft.com/office/drawing/2010/main" xmlns="" w="9525">
+                  <a14:hiddenLine xmlns="" xmlns:a14="http://schemas.microsoft.com/office/drawing/2010/main" w="9525">
                     <a:solidFill>
                       <a:srgbClr val="000000"/>
                     </a:solidFill>
@@ -17634,7 +17603,7 @@
               </a:ln>
               <a:extLst>
                 <a:ext uri="{91240B29-F687-4f45-9708-019B960494DF}">
-                  <a14:hiddenLine xmlns:a14="http://schemas.microsoft.com/office/drawing/2010/main" xmlns="" w="9525">
+                  <a14:hiddenLine xmlns="" xmlns:a14="http://schemas.microsoft.com/office/drawing/2010/main" w="9525">
                     <a:solidFill>
                       <a:srgbClr val="000000"/>
                     </a:solidFill>
@@ -17699,7 +17668,7 @@
               </a:ln>
               <a:extLst>
                 <a:ext uri="{91240B29-F687-4f45-9708-019B960494DF}">
-                  <a14:hiddenLine xmlns:a14="http://schemas.microsoft.com/office/drawing/2010/main" xmlns="" w="9525">
+                  <a14:hiddenLine xmlns="" xmlns:a14="http://schemas.microsoft.com/office/drawing/2010/main" w="9525">
                     <a:solidFill>
                       <a:srgbClr val="000000"/>
                     </a:solidFill>
@@ -17789,7 +17758,7 @@
               </a:ln>
               <a:extLst>
                 <a:ext uri="{91240B29-F687-4f45-9708-019B960494DF}">
-                  <a14:hiddenLine xmlns:a14="http://schemas.microsoft.com/office/drawing/2010/main" xmlns="" w="9525">
+                  <a14:hiddenLine xmlns="" xmlns:a14="http://schemas.microsoft.com/office/drawing/2010/main" w="9525">
                     <a:solidFill>
                       <a:srgbClr val="000000"/>
                     </a:solidFill>
@@ -17857,7 +17826,7 @@
               </a:ln>
               <a:extLst>
                 <a:ext uri="{91240B29-F687-4f45-9708-019B960494DF}">
-                  <a14:hiddenLine xmlns:a14="http://schemas.microsoft.com/office/drawing/2010/main" xmlns="" w="9525">
+                  <a14:hiddenLine xmlns="" xmlns:a14="http://schemas.microsoft.com/office/drawing/2010/main" w="9525">
                     <a:solidFill>
                       <a:srgbClr val="000000"/>
                     </a:solidFill>
@@ -17947,7 +17916,7 @@
               </a:ln>
               <a:extLst>
                 <a:ext uri="{91240B29-F687-4f45-9708-019B960494DF}">
-                  <a14:hiddenLine xmlns:a14="http://schemas.microsoft.com/office/drawing/2010/main" xmlns="" w="9525">
+                  <a14:hiddenLine xmlns="" xmlns:a14="http://schemas.microsoft.com/office/drawing/2010/main" w="9525">
                     <a:solidFill>
                       <a:srgbClr val="000000"/>
                     </a:solidFill>
@@ -18015,7 +17984,7 @@
               </a:ln>
               <a:extLst>
                 <a:ext uri="{91240B29-F687-4f45-9708-019B960494DF}">
-                  <a14:hiddenLine xmlns:a14="http://schemas.microsoft.com/office/drawing/2010/main" xmlns="" w="9525">
+                  <a14:hiddenLine xmlns="" xmlns:a14="http://schemas.microsoft.com/office/drawing/2010/main" w="9525">
                     <a:solidFill>
                       <a:srgbClr val="000000"/>
                     </a:solidFill>
@@ -18105,7 +18074,7 @@
               </a:ln>
               <a:extLst>
                 <a:ext uri="{91240B29-F687-4f45-9708-019B960494DF}">
-                  <a14:hiddenLine xmlns:a14="http://schemas.microsoft.com/office/drawing/2010/main" xmlns="" w="9525">
+                  <a14:hiddenLine xmlns="" xmlns:a14="http://schemas.microsoft.com/office/drawing/2010/main" w="9525">
                     <a:solidFill>
                       <a:srgbClr val="000000"/>
                     </a:solidFill>
@@ -18139,7 +18108,7 @@
               </a:ln>
               <a:extLst>
                 <a:ext uri="{91240B29-F687-4f45-9708-019B960494DF}">
-                  <a14:hiddenLine xmlns:a14="http://schemas.microsoft.com/office/drawing/2010/main" xmlns="" w="9525">
+                  <a14:hiddenLine xmlns="" xmlns:a14="http://schemas.microsoft.com/office/drawing/2010/main" w="9525">
                     <a:solidFill>
                       <a:srgbClr val="000000"/>
                     </a:solidFill>
@@ -18279,7 +18248,7 @@
           <a:p>
             <a:fld id="{4C933A40-7EFA-47C8-8AE9-FD237C895CBC}" type="datetimeFigureOut">
               <a:rPr lang="en-NZ" smtClean="0"/>
-              <a:t>30/11/2021</a:t>
+              <a:t>1/12/2021</a:t>
             </a:fld>
             <a:endParaRPr lang="en-NZ"/>
           </a:p>
@@ -18765,7 +18734,7 @@
           <a:p>
             <a:r>
               <a:rPr lang="en-NZ" sz="4000" dirty="0"/>
-              <a:t>Fraud detection from Claim Activities </a:t>
+              <a:t>Fraud detection model</a:t>
             </a:r>
           </a:p>
         </p:txBody>
@@ -18890,7 +18859,7 @@
           <a:p>
             <a:r>
               <a:rPr lang="en-NZ" dirty="0"/>
-              <a:t>Business Issues</a:t>
+              <a:t>Business Problems</a:t>
             </a:r>
           </a:p>
           <a:p>
@@ -18908,7 +18877,7 @@
           <a:p>
             <a:r>
               <a:rPr lang="en-NZ" dirty="0"/>
-              <a:t>Key Insights</a:t>
+              <a:t>Key Findings</a:t>
             </a:r>
           </a:p>
           <a:p>
@@ -18972,7 +18941,7 @@
           <a:p>
             <a:r>
               <a:rPr lang="en-NZ" dirty="0"/>
-              <a:t>Business Issues</a:t>
+              <a:t>Business Problems</a:t>
             </a:r>
           </a:p>
         </p:txBody>
@@ -19058,7 +19027,7 @@
           <a:p>
             <a:r>
               <a:rPr lang="en-NZ" dirty="0"/>
-              <a:t>Data</a:t>
+              <a:t>Data review</a:t>
             </a:r>
           </a:p>
         </p:txBody>
@@ -19138,8 +19107,8 @@
         </p:nvSpPr>
         <p:spPr>
           <a:xfrm>
-            <a:off x="5210301" y="3112074"/>
-            <a:ext cx="2844800" cy="922866"/>
+            <a:off x="5156200" y="3112074"/>
+            <a:ext cx="3081867" cy="922866"/>
           </a:xfrm>
           <a:prstGeom prst="rect">
             <a:avLst/>
@@ -19175,7 +19144,7 @@
             <a:pPr algn="ctr"/>
             <a:r>
               <a:rPr lang="en-NZ" dirty="0"/>
-              <a:t>10,000 data points</a:t>
+              <a:t>10,000 unlabelled data points</a:t>
             </a:r>
           </a:p>
           <a:p>
@@ -19380,7 +19349,7 @@
           <a:p>
             <a:r>
               <a:rPr lang="en-NZ" dirty="0"/>
-              <a:t>How we built The model</a:t>
+              <a:t>How The model Built</a:t>
             </a:r>
           </a:p>
         </p:txBody>
@@ -19403,8 +19372,8 @@
         </p:nvSpPr>
         <p:spPr>
           <a:xfrm>
-            <a:off x="1141412" y="1638130"/>
-            <a:ext cx="9905999" cy="4601352"/>
+            <a:off x="1141413" y="1638130"/>
+            <a:ext cx="7807854" cy="4601352"/>
           </a:xfrm>
         </p:spPr>
         <p:txBody>
@@ -19415,7 +19384,7 @@
           <a:p>
             <a:r>
               <a:rPr lang="en-NZ" dirty="0"/>
-              <a:t>Fraud/ Anomaly: </a:t>
+              <a:t>Fraud/ Anomaly definition: </a:t>
             </a:r>
             <a:r>
               <a:rPr lang="en-GB" dirty="0"/>
@@ -19435,15 +19404,17 @@
             <a:endParaRPr lang="en-NZ" dirty="0"/>
           </a:p>
           <a:p>
+            <a:pPr lvl="1"/>
             <a:r>
               <a:rPr lang="en-NZ" dirty="0"/>
               <a:t> Model Features: Commute Profile &amp; Engagement Profile (Ride, Claim, Offer, Clicks)</a:t>
             </a:r>
           </a:p>
           <a:p>
+            <a:pPr lvl="1"/>
             <a:r>
               <a:rPr lang="en-NZ" dirty="0"/>
-              <a:t>Profiling Feature: Customer Profile (Demographic, Account using)</a:t>
+              <a:t>Profiling Feature: Customer Profile (Demographic, Account)</a:t>
             </a:r>
           </a:p>
         </p:txBody>
@@ -19477,7 +19448,7 @@
         </p:blipFill>
         <p:spPr bwMode="auto">
           <a:xfrm>
-            <a:off x="8697442" y="4910328"/>
+            <a:off x="8697443" y="2581995"/>
             <a:ext cx="3265958" cy="1947672"/>
           </a:xfrm>
           <a:prstGeom prst="rect">
@@ -19583,7 +19554,7 @@
           <a:p>
             <a:r>
               <a:rPr lang="en-NZ" dirty="0"/>
-              <a:t>Key Insights</a:t>
+              <a:t>Key Findings</a:t>
             </a:r>
           </a:p>
         </p:txBody>
@@ -19604,18 +19575,109 @@
             <p:ph idx="1"/>
           </p:nvPr>
         </p:nvSpPr>
-        <p:spPr/>
+        <p:spPr>
+          <a:xfrm>
+            <a:off x="1141412" y="2249487"/>
+            <a:ext cx="7105121" cy="3914246"/>
+          </a:xfrm>
+        </p:spPr>
         <p:txBody>
-          <a:bodyPr/>
+          <a:bodyPr>
+            <a:normAutofit fontScale="85000" lnSpcReduction="20000"/>
+          </a:bodyPr>
           <a:lstStyle/>
           <a:p>
             <a:r>
               <a:rPr lang="en-NZ" dirty="0"/>
-              <a:t>Importance Variables to detect Fraud: </a:t>
+              <a:t>3% or 300 fraud customer detected</a:t>
+            </a:r>
+          </a:p>
+          <a:p>
+            <a:r>
+              <a:rPr lang="en-NZ" dirty="0"/>
+              <a:t>The model pointed out the important features and threshold for each feature to identify fraud customer.</a:t>
+            </a:r>
+          </a:p>
+          <a:p>
+            <a:r>
+              <a:rPr lang="en-NZ" dirty="0"/>
+              <a:t>“Unique offer click” is a strong indicator for fraud customers. Followed by Total Offer Ride” and “Total Offer Click”</a:t>
+            </a:r>
+          </a:p>
+          <a:p>
+            <a:r>
+              <a:rPr lang="en-NZ" dirty="0"/>
+              <a:t>Threshold to detect fraud customers:</a:t>
+            </a:r>
+          </a:p>
+          <a:p>
+            <a:pPr lvl="1"/>
+            <a:r>
+              <a:rPr lang="en-GB" dirty="0"/>
+              <a:t>Unique offer click from 7 times</a:t>
+            </a:r>
+          </a:p>
+          <a:p>
+            <a:pPr lvl="1"/>
+            <a:r>
+              <a:rPr lang="en-GB" dirty="0"/>
+              <a:t>Total offer click from 13 times</a:t>
+            </a:r>
+          </a:p>
+          <a:p>
+            <a:pPr lvl="1"/>
+            <a:r>
+              <a:rPr lang="en-GB" dirty="0"/>
+              <a:t>Total offer ride from 116 times</a:t>
+            </a:r>
+          </a:p>
+          <a:p>
+            <a:pPr lvl="1"/>
+            <a:r>
+              <a:rPr lang="en-GB" dirty="0"/>
+              <a:t>Total offer claimed from 2 times</a:t>
+            </a:r>
+            <a:endParaRPr lang="en-NZ" dirty="0"/>
+          </a:p>
+          <a:p>
+            <a:pPr lvl="1"/>
+            <a:r>
+              <a:rPr lang="en-GB" dirty="0"/>
+              <a:t>Download app from 2 times</a:t>
             </a:r>
           </a:p>
         </p:txBody>
       </p:sp>
+      <p:pic>
+        <p:nvPicPr>
+          <p:cNvPr id="7" name="Picture 6">
+            <a:extLst>
+              <a:ext uri="{FF2B5EF4-FFF2-40B4-BE49-F238E27FC236}">
+                <a16:creationId xmlns:a16="http://schemas.microsoft.com/office/drawing/2014/main" id="{B4FF0812-CA7D-48EA-BEF0-CA765701C735}"/>
+              </a:ext>
+            </a:extLst>
+          </p:cNvPr>
+          <p:cNvPicPr>
+            <a:picLocks noChangeAspect="1"/>
+          </p:cNvPicPr>
+          <p:nvPr/>
+        </p:nvPicPr>
+        <p:blipFill>
+          <a:blip r:embed="rId2"/>
+          <a:stretch>
+            <a:fillRect/>
+          </a:stretch>
+        </p:blipFill>
+        <p:spPr>
+          <a:xfrm>
+            <a:off x="8085615" y="2097088"/>
+            <a:ext cx="4106385" cy="3346703"/>
+          </a:xfrm>
+          <a:prstGeom prst="rect">
+            <a:avLst/>
+          </a:prstGeom>
+        </p:spPr>
+      </p:pic>
     </p:spTree>
     <p:extLst>
       <p:ext uri="{BB962C8B-B14F-4D97-AF65-F5344CB8AC3E}">
@@ -19690,27 +19752,108 @@
             <p:ph idx="1"/>
           </p:nvPr>
         </p:nvSpPr>
-        <p:spPr/>
+        <p:spPr>
+          <a:xfrm>
+            <a:off x="1141412" y="1938868"/>
+            <a:ext cx="9905999" cy="4385732"/>
+          </a:xfrm>
+        </p:spPr>
         <p:txBody>
-          <a:bodyPr/>
+          <a:bodyPr>
+            <a:normAutofit fontScale="85000" lnSpcReduction="20000"/>
+          </a:bodyPr>
           <a:lstStyle/>
           <a:p>
             <a:r>
               <a:rPr lang="en-NZ" dirty="0"/>
-              <a:t>Have duplicate data point</a:t>
+              <a:t>Essential of a fraud customer profile:</a:t>
             </a:r>
           </a:p>
           <a:p>
+            <a:pPr lvl="1"/>
             <a:r>
               <a:rPr lang="en-NZ" dirty="0"/>
-              <a:t>Higher account age ( 322 vs 245)</a:t>
+              <a:t>Understand customers al perspective of demographical, engaged and behavioural</a:t>
             </a:r>
           </a:p>
           <a:p>
+            <a:pPr lvl="1"/>
             <a:r>
               <a:rPr lang="en-NZ" dirty="0"/>
-              <a:t>Higher app download (1.1 vs 1.0)</a:t>
+              <a:t>Easy to communicate within the business</a:t>
             </a:r>
+          </a:p>
+          <a:p>
+            <a:pPr lvl="1"/>
+            <a:r>
+              <a:rPr lang="en-NZ" dirty="0"/>
+              <a:t>Help to shape tactics/ strategies to tackle this group of customers </a:t>
+            </a:r>
+          </a:p>
+          <a:p>
+            <a:r>
+              <a:rPr lang="en-NZ" dirty="0"/>
+              <a:t>Customer profile:</a:t>
+            </a:r>
+          </a:p>
+          <a:p>
+            <a:pPr lvl="1"/>
+            <a:r>
+              <a:rPr lang="en-NZ" dirty="0"/>
+              <a:t>No difference in age or account last update compared to normal customers</a:t>
+            </a:r>
+          </a:p>
+          <a:p>
+            <a:pPr lvl="1"/>
+            <a:r>
+              <a:rPr lang="en-NZ" dirty="0"/>
+              <a:t>Similar gender distribution but surprisingly, normal group has more percentage in missing.</a:t>
+            </a:r>
+          </a:p>
+          <a:p>
+            <a:pPr lvl="1"/>
+            <a:r>
+              <a:rPr lang="en-NZ" dirty="0"/>
+              <a:t>More likely to have duplicate data point</a:t>
+            </a:r>
+          </a:p>
+          <a:p>
+            <a:pPr lvl="1"/>
+            <a:r>
+              <a:rPr lang="en-NZ" dirty="0"/>
+              <a:t>Higher account age ( 287 vs 245)</a:t>
+            </a:r>
+          </a:p>
+          <a:p>
+            <a:pPr lvl="1"/>
+            <a:r>
+              <a:rPr lang="en-NZ" dirty="0"/>
+              <a:t>Higher app download (1.4 vs 1.0)</a:t>
+            </a:r>
+          </a:p>
+          <a:p>
+            <a:pPr lvl="1"/>
+            <a:r>
+              <a:rPr lang="en-NZ" dirty="0"/>
+              <a:t>Higher offer clicked (18.4vs 5.4)</a:t>
+            </a:r>
+          </a:p>
+          <a:p>
+            <a:pPr lvl="1"/>
+            <a:r>
+              <a:rPr lang="en-NZ" dirty="0"/>
+              <a:t>More offer ride ( 234 vs 63)</a:t>
+            </a:r>
+          </a:p>
+          <a:p>
+            <a:pPr lvl="1"/>
+            <a:r>
+              <a:rPr lang="en-NZ" dirty="0"/>
+              <a:t>More offer claimed (3.95 vs 1.86)</a:t>
+            </a:r>
+          </a:p>
+          <a:p>
+            <a:endParaRPr lang="en-NZ" dirty="0"/>
           </a:p>
           <a:p>
             <a:endParaRPr lang="en-NZ" dirty="0"/>
@@ -19769,9 +19912,10 @@
           <a:lstStyle/>
           <a:p>
             <a:r>
-              <a:rPr lang="en-NZ" dirty="0"/>
-              <a:t>Next action</a:t>
+              <a:rPr lang="en-NZ"/>
+              <a:t>Next actions</a:t>
             </a:r>
+            <a:endParaRPr lang="en-NZ" dirty="0"/>
           </a:p>
         </p:txBody>
       </p:sp>
@@ -19798,23 +19942,25 @@
           <a:p>
             <a:r>
               <a:rPr lang="en-NZ" dirty="0"/>
+              <a:t>Prepare labelled testing and validation data to tune the parameters and validate accuracy of the model. </a:t>
+            </a:r>
+          </a:p>
+          <a:p>
+            <a:r>
+              <a:rPr lang="en-NZ" dirty="0"/>
               <a:t>Deploy for whole customer base </a:t>
             </a:r>
           </a:p>
           <a:p>
             <a:r>
               <a:rPr lang="en-NZ" dirty="0"/>
-              <a:t>Make it real-time </a:t>
+              <a:t>Make it real-time</a:t>
             </a:r>
           </a:p>
           <a:p>
             <a:r>
               <a:rPr lang="en-NZ" dirty="0"/>
-              <a:t>Present the profile and indicator </a:t>
-            </a:r>
-            <a:r>
-              <a:rPr lang="en-NZ"/>
-              <a:t>to business </a:t>
+              <a:t>Present the profiles and indicators to business </a:t>
             </a:r>
           </a:p>
           <a:p>
